--- a/doc/bak/合时代金融-微服务架构-了解与实践.pptx
+++ b/doc/bak/合时代金融-微服务架构-了解与实践.pptx
@@ -12338,6 +12338,20 @@
 <file path=ppt/slides/slide13.xml><?xml version="1.0" encoding="utf-8"?>
 <p:sld xmlns:a="http://schemas.openxmlformats.org/drawingml/2006/main" xmlns:r="http://schemas.openxmlformats.org/officeDocument/2006/relationships" xmlns:p="http://schemas.openxmlformats.org/presentationml/2006/main">
   <p:cSld>
+    <p:bg>
+      <p:bgPr>
+        <a:blipFill dpi="0" rotWithShape="1">
+          <a:blip r:embed="rId3">
+            <a:lum/>
+          </a:blip>
+          <a:srcRect/>
+          <a:stretch>
+            <a:fillRect/>
+          </a:stretch>
+        </a:blipFill>
+        <a:effectLst/>
+      </p:bgPr>
+    </p:bg>
     <p:spTree>
       <p:nvGrpSpPr>
         <p:cNvPr id="1" name=""/>
@@ -12634,7 +12648,7 @@
           <p:nvPr/>
         </p:nvPicPr>
         <p:blipFill>
-          <a:blip r:embed="rId3">
+          <a:blip r:embed="rId4">
             <a:extLst>
               <a:ext uri="{28A0092B-C50C-407E-A947-70E740481C1C}">
                 <a14:useLocalDpi xmlns:a14="http://schemas.microsoft.com/office/drawing/2010/main" val="0"/>
@@ -12678,6 +12692,20 @@
 <file path=ppt/slides/slide14.xml><?xml version="1.0" encoding="utf-8"?>
 <p:sld xmlns:a="http://schemas.openxmlformats.org/drawingml/2006/main" xmlns:r="http://schemas.openxmlformats.org/officeDocument/2006/relationships" xmlns:p="http://schemas.openxmlformats.org/presentationml/2006/main">
   <p:cSld>
+    <p:bg>
+      <p:bgPr>
+        <a:blipFill dpi="0" rotWithShape="1">
+          <a:blip r:embed="rId3">
+            <a:lum/>
+          </a:blip>
+          <a:srcRect/>
+          <a:stretch>
+            <a:fillRect/>
+          </a:stretch>
+        </a:blipFill>
+        <a:effectLst/>
+      </p:bgPr>
+    </p:bg>
     <p:spTree>
       <p:nvGrpSpPr>
         <p:cNvPr id="1" name=""/>
@@ -13064,6 +13092,20 @@
 <file path=ppt/slides/slide15.xml><?xml version="1.0" encoding="utf-8"?>
 <p:sld xmlns:a="http://schemas.openxmlformats.org/drawingml/2006/main" xmlns:r="http://schemas.openxmlformats.org/officeDocument/2006/relationships" xmlns:p="http://schemas.openxmlformats.org/presentationml/2006/main">
   <p:cSld>
+    <p:bg>
+      <p:bgPr>
+        <a:blipFill dpi="0" rotWithShape="1">
+          <a:blip r:embed="rId2">
+            <a:lum/>
+          </a:blip>
+          <a:srcRect/>
+          <a:stretch>
+            <a:fillRect/>
+          </a:stretch>
+        </a:blipFill>
+        <a:effectLst/>
+      </p:bgPr>
+    </p:bg>
     <p:spTree>
       <p:nvGrpSpPr>
         <p:cNvPr id="1" name=""/>
@@ -13334,7 +13376,7 @@
           <a:p>
             <a:r>
               <a:rPr lang="zh-CN" altLang="en-US" dirty="0">
-                <a:hlinkClick r:id="rId2"/>
+                <a:hlinkClick r:id="rId3"/>
               </a:rPr>
               <a:t>https://github.com/codecentric/spring-boot-admin</a:t>
             </a:r>
@@ -13351,7 +13393,7 @@
           <p:nvPr/>
         </p:nvPicPr>
         <p:blipFill>
-          <a:blip r:embed="rId3" cstate="print">
+          <a:blip r:embed="rId4" cstate="print">
             <a:extLst>
               <a:ext uri="{28A0092B-C50C-407E-A947-70E740481C1C}">
                 <a14:useLocalDpi xmlns:a14="http://schemas.microsoft.com/office/drawing/2010/main" val="0"/>
@@ -13381,7 +13423,7 @@
           <p:nvPr/>
         </p:nvPicPr>
         <p:blipFill>
-          <a:blip r:embed="rId4" cstate="print">
+          <a:blip r:embed="rId5" cstate="print">
             <a:extLst>
               <a:ext uri="{28A0092B-C50C-407E-A947-70E740481C1C}">
                 <a14:useLocalDpi xmlns:a14="http://schemas.microsoft.com/office/drawing/2010/main" val="0"/>
@@ -13411,7 +13453,7 @@
           <p:nvPr/>
         </p:nvPicPr>
         <p:blipFill>
-          <a:blip r:embed="rId5" cstate="print">
+          <a:blip r:embed="rId6" cstate="print">
             <a:extLst>
               <a:ext uri="{28A0092B-C50C-407E-A947-70E740481C1C}">
                 <a14:useLocalDpi xmlns:a14="http://schemas.microsoft.com/office/drawing/2010/main" val="0"/>
@@ -13441,7 +13483,7 @@
           <p:nvPr/>
         </p:nvPicPr>
         <p:blipFill>
-          <a:blip r:embed="rId6" cstate="print">
+          <a:blip r:embed="rId7" cstate="print">
             <a:extLst>
               <a:ext uri="{28A0092B-C50C-407E-A947-70E740481C1C}">
                 <a14:useLocalDpi xmlns:a14="http://schemas.microsoft.com/office/drawing/2010/main" val="0"/>
@@ -13471,7 +13513,7 @@
           <p:nvPr/>
         </p:nvPicPr>
         <p:blipFill>
-          <a:blip r:embed="rId7" cstate="print">
+          <a:blip r:embed="rId8" cstate="print">
             <a:extLst>
               <a:ext uri="{28A0092B-C50C-407E-A947-70E740481C1C}">
                 <a14:useLocalDpi xmlns:a14="http://schemas.microsoft.com/office/drawing/2010/main" val="0"/>
@@ -13501,7 +13543,7 @@
           <p:nvPr/>
         </p:nvPicPr>
         <p:blipFill>
-          <a:blip r:embed="rId8" cstate="print">
+          <a:blip r:embed="rId9" cstate="print">
             <a:extLst>
               <a:ext uri="{28A0092B-C50C-407E-A947-70E740481C1C}">
                 <a14:useLocalDpi xmlns:a14="http://schemas.microsoft.com/office/drawing/2010/main" val="0"/>
@@ -13538,6 +13580,20 @@
 <file path=ppt/slides/slide16.xml><?xml version="1.0" encoding="utf-8"?>
 <p:sld xmlns:a="http://schemas.openxmlformats.org/drawingml/2006/main" xmlns:r="http://schemas.openxmlformats.org/officeDocument/2006/relationships" xmlns:p="http://schemas.openxmlformats.org/presentationml/2006/main">
   <p:cSld>
+    <p:bg>
+      <p:bgPr>
+        <a:blipFill dpi="0" rotWithShape="1">
+          <a:blip r:embed="rId2">
+            <a:lum/>
+          </a:blip>
+          <a:srcRect/>
+          <a:stretch>
+            <a:fillRect/>
+          </a:stretch>
+        </a:blipFill>
+        <a:effectLst/>
+      </p:bgPr>
+    </p:bg>
     <p:spTree>
       <p:nvGrpSpPr>
         <p:cNvPr id="1" name=""/>
@@ -13631,7 +13687,7 @@
           <p:nvPr/>
         </p:nvPicPr>
         <p:blipFill>
-          <a:blip r:embed="rId2"/>
+          <a:blip r:embed="rId3"/>
           <a:stretch>
             <a:fillRect/>
           </a:stretch>
@@ -13655,7 +13711,7 @@
           <p:nvPr/>
         </p:nvPicPr>
         <p:blipFill>
-          <a:blip r:embed="rId3"/>
+          <a:blip r:embed="rId4"/>
           <a:stretch>
             <a:fillRect/>
           </a:stretch>

--- a/doc/bak/合时代金融-微服务架构-了解与实践.pptx
+++ b/doc/bak/合时代金融-微服务架构-了解与实践.pptx
@@ -5,7 +5,7 @@
     <p:sldMasterId id="2147484572" r:id="rId2"/>
   </p:sldMasterIdLst>
   <p:notesMasterIdLst>
-    <p:notesMasterId r:id="rId36"/>
+    <p:notesMasterId r:id="rId37"/>
   </p:notesMasterIdLst>
   <p:sldIdLst>
     <p:sldId id="256" r:id="rId3"/>
@@ -37,10 +37,11 @@
     <p:sldId id="303" r:id="rId29"/>
     <p:sldId id="292" r:id="rId30"/>
     <p:sldId id="293" r:id="rId31"/>
-    <p:sldId id="294" r:id="rId32"/>
-    <p:sldId id="296" r:id="rId33"/>
-    <p:sldId id="295" r:id="rId34"/>
-    <p:sldId id="284" r:id="rId35"/>
+    <p:sldId id="304" r:id="rId32"/>
+    <p:sldId id="294" r:id="rId33"/>
+    <p:sldId id="296" r:id="rId34"/>
+    <p:sldId id="295" r:id="rId35"/>
+    <p:sldId id="284" r:id="rId36"/>
   </p:sldIdLst>
   <p:sldSz cx="9144000" cy="6858000" type="screen4x3"/>
   <p:notesSz cx="6858000" cy="9144000"/>
@@ -1445,7 +1446,7 @@
             <a:fld id="{F7EBFB8C-BBFF-4397-A51C-1E92596422A9}" type="slidenum">
               <a:rPr lang="en-US" altLang="zh-CN" smtClean="0"/>
               <a:pPr/>
-              <a:t>31</a:t>
+              <a:t>32</a:t>
             </a:fld>
             <a:endParaRPr lang="zh-CN" altLang="en-US"/>
           </a:p>
@@ -18943,7 +18944,9 @@
         </p:nvSpPr>
         <p:spPr/>
         <p:txBody>
-          <a:bodyPr/>
+          <a:bodyPr>
+            <a:normAutofit fontScale="92500" lnSpcReduction="10000"/>
+          </a:bodyPr>
           <a:lstStyle/>
           <a:p>
             <a:r>
@@ -19121,6 +19124,65 @@
                 <a:ea typeface="Microsoft YaHei UI Light" panose="020B0502040204020203" pitchFamily="34" charset="-122"/>
               </a:rPr>
               <a:t>网关的了解与</a:t>
+            </a:r>
+            <a:r>
+              <a:rPr lang="zh-CN" altLang="en-US" dirty="0" smtClean="0">
+                <a:solidFill>
+                  <a:srgbClr val="333333"/>
+                </a:solidFill>
+                <a:latin typeface="Microsoft YaHei UI Light" panose="020B0502040204020203" pitchFamily="34" charset="-122"/>
+                <a:ea typeface="Microsoft YaHei UI Light" panose="020B0502040204020203" pitchFamily="34" charset="-122"/>
+              </a:rPr>
+              <a:t>使用</a:t>
+            </a:r>
+            <a:endParaRPr lang="en-US" altLang="zh-CN" dirty="0" smtClean="0">
+              <a:solidFill>
+                <a:srgbClr val="333333"/>
+              </a:solidFill>
+              <a:latin typeface="Microsoft YaHei UI Light" panose="020B0502040204020203" pitchFamily="34" charset="-122"/>
+              <a:ea typeface="Microsoft YaHei UI Light" panose="020B0502040204020203" pitchFamily="34" charset="-122"/>
+            </a:endParaRPr>
+          </a:p>
+          <a:p>
+            <a:r>
+              <a:rPr lang="zh-CN" altLang="en-US" dirty="0" smtClean="0">
+                <a:solidFill>
+                  <a:srgbClr val="333333"/>
+                </a:solidFill>
+                <a:latin typeface="Microsoft YaHei UI Light" panose="020B0502040204020203" pitchFamily="34" charset="-122"/>
+                <a:ea typeface="Microsoft YaHei UI Light" panose="020B0502040204020203" pitchFamily="34" charset="-122"/>
+              </a:rPr>
+              <a:t>服务</a:t>
+            </a:r>
+            <a:r>
+              <a:rPr lang="zh-CN" altLang="en-US" dirty="0">
+                <a:solidFill>
+                  <a:srgbClr val="333333"/>
+                </a:solidFill>
+                <a:latin typeface="Microsoft YaHei UI Light" panose="020B0502040204020203" pitchFamily="34" charset="-122"/>
+                <a:ea typeface="Microsoft YaHei UI Light" panose="020B0502040204020203" pitchFamily="34" charset="-122"/>
+              </a:rPr>
+              <a:t>鉴权</a:t>
+            </a:r>
+            <a:r>
+              <a:rPr lang="zh-CN" altLang="en-US" dirty="0" smtClean="0">
+                <a:solidFill>
+                  <a:srgbClr val="333333"/>
+                </a:solidFill>
+                <a:latin typeface="Microsoft YaHei UI Light" panose="020B0502040204020203" pitchFamily="34" charset="-122"/>
+                <a:ea typeface="Microsoft YaHei UI Light" panose="020B0502040204020203" pitchFamily="34" charset="-122"/>
+              </a:rPr>
+              <a:t>的</a:t>
+            </a:r>
+            <a:r>
+              <a:rPr lang="zh-CN" altLang="en-US" dirty="0">
+                <a:solidFill>
+                  <a:srgbClr val="333333"/>
+                </a:solidFill>
+                <a:latin typeface="Microsoft YaHei UI Light" panose="020B0502040204020203" pitchFamily="34" charset="-122"/>
+                <a:ea typeface="Microsoft YaHei UI Light" panose="020B0502040204020203" pitchFamily="34" charset="-122"/>
+              </a:rPr>
+              <a:t>了解与</a:t>
             </a:r>
             <a:r>
               <a:rPr lang="zh-CN" altLang="en-US" dirty="0" smtClean="0">
@@ -23679,32 +23741,16 @@
               <a:t>讲解</a:t>
             </a:r>
             <a:r>
+              <a:rPr lang="en-US" altLang="zh-CN" dirty="0" smtClean="0"/>
+              <a:t>-</a:t>
+            </a:r>
+            <a:r>
+              <a:rPr lang="zh-CN" altLang="en-US" dirty="0" smtClean="0"/>
+              <a:t>服务鉴权了解与实践</a:t>
+            </a:r>
+            <a:r>
               <a:rPr lang="en-US" altLang="zh-CN" dirty="0"/>
-              <a:t>-</a:t>
-            </a:r>
-            <a:r>
-              <a:rPr lang="zh-CN" altLang="en-US" dirty="0"/>
-              <a:t>使用</a:t>
-            </a:r>
-            <a:r>
-              <a:rPr lang="en-US" altLang="zh-CN" dirty="0" err="1"/>
-              <a:t>angularJS</a:t>
-            </a:r>
-            <a:r>
-              <a:rPr lang="zh-CN" altLang="en-US" dirty="0"/>
-              <a:t>实现</a:t>
-            </a:r>
-            <a:r>
-              <a:rPr lang="en-US" altLang="zh-CN" dirty="0"/>
-              <a:t>web</a:t>
-            </a:r>
-            <a:r>
-              <a:rPr lang="zh-CN" altLang="en-US" dirty="0"/>
-              <a:t>前端</a:t>
-            </a:r>
-            <a:r>
-              <a:rPr lang="en-US" altLang="zh-CN" dirty="0"/>
-              <a:t>demo</a:t>
+              <a:t/>
             </a:r>
             <a:br>
               <a:rPr lang="en-US" altLang="zh-CN" dirty="0"/>
@@ -30244,6 +30290,165 @@
         <p:spPr>
           <a:xfrm>
             <a:off x="609599" y="609600"/>
+            <a:ext cx="8138865" cy="1320800"/>
+          </a:xfrm>
+        </p:spPr>
+        <p:txBody>
+          <a:bodyPr>
+            <a:normAutofit fontScale="90000"/>
+          </a:bodyPr>
+          <a:lstStyle/>
+          <a:p>
+            <a:pPr fontAlgn="base"/>
+            <a:r>
+              <a:rPr lang="zh-CN" altLang="zh-CN" dirty="0"/>
+              <a:t>核心</a:t>
+            </a:r>
+            <a:r>
+              <a:rPr lang="zh-CN" altLang="zh-CN" dirty="0" smtClean="0"/>
+              <a:t>讲解</a:t>
+            </a:r>
+            <a:r>
+              <a:rPr lang="en-US" altLang="zh-CN" dirty="0"/>
+              <a:t>-</a:t>
+            </a:r>
+            <a:r>
+              <a:rPr lang="zh-CN" altLang="en-US" dirty="0"/>
+              <a:t>使用</a:t>
+            </a:r>
+            <a:r>
+              <a:rPr lang="en-US" altLang="zh-CN" dirty="0" err="1"/>
+              <a:t>angularJS</a:t>
+            </a:r>
+            <a:r>
+              <a:rPr lang="zh-CN" altLang="en-US" dirty="0"/>
+              <a:t>实现</a:t>
+            </a:r>
+            <a:r>
+              <a:rPr lang="en-US" altLang="zh-CN" dirty="0"/>
+              <a:t>web</a:t>
+            </a:r>
+            <a:r>
+              <a:rPr lang="zh-CN" altLang="en-US" dirty="0"/>
+              <a:t>前端</a:t>
+            </a:r>
+            <a:r>
+              <a:rPr lang="en-US" altLang="zh-CN" dirty="0"/>
+              <a:t>demo</a:t>
+            </a:r>
+            <a:br>
+              <a:rPr lang="en-US" altLang="zh-CN" dirty="0"/>
+            </a:br>
+            <a:r>
+              <a:rPr lang="en-US" altLang="zh-CN" sz="4800" dirty="0">
+                <a:solidFill>
+                  <a:srgbClr val="333333"/>
+                </a:solidFill>
+                <a:latin typeface="Microsoft YaHei UI Light" panose="020B0502040204020203" pitchFamily="34" charset="-122"/>
+                <a:ea typeface="Microsoft YaHei UI Light" panose="020B0502040204020203" pitchFamily="34" charset="-122"/>
+              </a:rPr>
+              <a:t/>
+            </a:r>
+            <a:br>
+              <a:rPr lang="en-US" altLang="zh-CN" sz="4800" dirty="0">
+                <a:solidFill>
+                  <a:srgbClr val="333333"/>
+                </a:solidFill>
+                <a:latin typeface="Microsoft YaHei UI Light" panose="020B0502040204020203" pitchFamily="34" charset="-122"/>
+                <a:ea typeface="Microsoft YaHei UI Light" panose="020B0502040204020203" pitchFamily="34" charset="-122"/>
+              </a:rPr>
+            </a:br>
+            <a:endParaRPr lang="zh-CN" altLang="en-US" dirty="0"/>
+          </a:p>
+        </p:txBody>
+      </p:sp>
+      <p:sp>
+        <p:nvSpPr>
+          <p:cNvPr id="3" name="内容占位符 2"/>
+          <p:cNvSpPr>
+            <a:spLocks noGrp="1"/>
+          </p:cNvSpPr>
+          <p:nvPr>
+            <p:ph idx="1"/>
+          </p:nvPr>
+        </p:nvSpPr>
+        <p:spPr/>
+        <p:txBody>
+          <a:bodyPr/>
+          <a:lstStyle/>
+          <a:p>
+            <a:r>
+              <a:rPr lang="zh-CN" altLang="en-US" dirty="0" smtClean="0"/>
+              <a:t>实例讲解</a:t>
+            </a:r>
+            <a:endParaRPr lang="zh-CN" altLang="en-US" dirty="0"/>
+          </a:p>
+        </p:txBody>
+      </p:sp>
+    </p:spTree>
+    <p:extLst>
+      <p:ext uri="{BB962C8B-B14F-4D97-AF65-F5344CB8AC3E}">
+        <p14:creationId xmlns:p14="http://schemas.microsoft.com/office/powerpoint/2010/main" val="3764365353"/>
+      </p:ext>
+    </p:extLst>
+  </p:cSld>
+  <p:clrMapOvr>
+    <a:masterClrMapping/>
+  </p:clrMapOvr>
+  <p:timing>
+    <p:tnLst>
+      <p:par>
+        <p:cTn id="1" dur="indefinite" restart="never" nodeType="tmRoot"/>
+      </p:par>
+    </p:tnLst>
+  </p:timing>
+</p:sld>
+</file>
+
+<file path=ppt/slides/slide31.xml><?xml version="1.0" encoding="utf-8"?>
+<p:sld xmlns:a="http://schemas.openxmlformats.org/drawingml/2006/main" xmlns:r="http://schemas.openxmlformats.org/officeDocument/2006/relationships" xmlns:p="http://schemas.openxmlformats.org/presentationml/2006/main">
+  <p:cSld>
+    <p:bg>
+      <p:bgPr>
+        <a:blipFill dpi="0" rotWithShape="1">
+          <a:blip r:embed="rId2">
+            <a:lum/>
+          </a:blip>
+          <a:srcRect/>
+          <a:stretch>
+            <a:fillRect/>
+          </a:stretch>
+        </a:blipFill>
+        <a:effectLst/>
+      </p:bgPr>
+    </p:bg>
+    <p:spTree>
+      <p:nvGrpSpPr>
+        <p:cNvPr id="1" name=""/>
+        <p:cNvGrpSpPr/>
+        <p:nvPr/>
+      </p:nvGrpSpPr>
+      <p:grpSpPr>
+        <a:xfrm>
+          <a:off x="0" y="0"/>
+          <a:ext cx="0" cy="0"/>
+          <a:chOff x="0" y="0"/>
+          <a:chExt cx="0" cy="0"/>
+        </a:xfrm>
+      </p:grpSpPr>
+      <p:sp>
+        <p:nvSpPr>
+          <p:cNvPr id="2" name="标题 1"/>
+          <p:cNvSpPr>
+            <a:spLocks noGrp="1"/>
+          </p:cNvSpPr>
+          <p:nvPr>
+            <p:ph type="title"/>
+          </p:nvPr>
+        </p:nvSpPr>
+        <p:spPr>
+          <a:xfrm>
+            <a:off x="609599" y="609600"/>
             <a:ext cx="8138865" cy="659160"/>
           </a:xfrm>
         </p:spPr>
@@ -30805,7 +31010,7 @@
 </p:sld>
 </file>
 
-<file path=ppt/slides/slide31.xml><?xml version="1.0" encoding="utf-8"?>
+<file path=ppt/slides/slide32.xml><?xml version="1.0" encoding="utf-8"?>
 <p:sld xmlns:a="http://schemas.openxmlformats.org/drawingml/2006/main" xmlns:r="http://schemas.openxmlformats.org/officeDocument/2006/relationships" xmlns:p="http://schemas.openxmlformats.org/presentationml/2006/main">
   <p:cSld>
     <p:bg>
@@ -31180,7 +31385,7 @@
 </p:sld>
 </file>
 
-<file path=ppt/slides/slide32.xml><?xml version="1.0" encoding="utf-8"?>
+<file path=ppt/slides/slide33.xml><?xml version="1.0" encoding="utf-8"?>
 <p:sld xmlns:a="http://schemas.openxmlformats.org/drawingml/2006/main" xmlns:r="http://schemas.openxmlformats.org/officeDocument/2006/relationships" xmlns:p="http://schemas.openxmlformats.org/presentationml/2006/main">
   <p:cSld>
     <p:bg>
@@ -31769,7 +31974,7 @@
 </p:sld>
 </file>
 
-<file path=ppt/slides/slide33.xml><?xml version="1.0" encoding="utf-8"?>
+<file path=ppt/slides/slide34.xml><?xml version="1.0" encoding="utf-8"?>
 <p:sld xmlns:a="http://schemas.openxmlformats.org/drawingml/2006/main" xmlns:r="http://schemas.openxmlformats.org/officeDocument/2006/relationships" xmlns:p="http://schemas.openxmlformats.org/presentationml/2006/main">
   <p:cSld>
     <p:bg>
